--- a/Team Ace’s Powerpoint  On The Project.pptx
+++ b/Team Ace’s Powerpoint  On The Project.pptx
@@ -2354,7 +2354,7 @@
           <a:p>
             <a:fld id="{A5968E34-CB3B-4A4C-905C-732F2748E69F}" type="datetimeFigureOut">
               <a:rPr lang="en-US" smtClean="0"/>
-              <a:t>5/15/2023</a:t>
+              <a:t>5/21/2023</a:t>
             </a:fld>
             <a:endParaRPr lang="en-US"/>
           </a:p>
@@ -3415,7 +3415,7 @@
           <a:p>
             <a:fld id="{F7F4446B-DEDD-4863-B318-E08711AE4B14}" type="datetimeFigureOut">
               <a:rPr lang="en-US" smtClean="0"/>
-              <a:t>5/15/2023</a:t>
+              <a:t>5/21/2023</a:t>
             </a:fld>
             <a:endParaRPr lang="en-US"/>
           </a:p>
@@ -3611,7 +3611,7 @@
           <a:p>
             <a:fld id="{F7F4446B-DEDD-4863-B318-E08711AE4B14}" type="datetimeFigureOut">
               <a:rPr lang="en-US" smtClean="0"/>
-              <a:t>5/15/2023</a:t>
+              <a:t>5/21/2023</a:t>
             </a:fld>
             <a:endParaRPr lang="en-US"/>
           </a:p>
@@ -3796,7 +3796,7 @@
           <a:p>
             <a:fld id="{F7F4446B-DEDD-4863-B318-E08711AE4B14}" type="datetimeFigureOut">
               <a:rPr lang="en-US" smtClean="0"/>
-              <a:t>5/15/2023</a:t>
+              <a:t>5/21/2023</a:t>
             </a:fld>
             <a:endParaRPr lang="en-US"/>
           </a:p>
@@ -3946,7 +3946,7 @@
           <a:p>
             <a:fld id="{F7F4446B-DEDD-4863-B318-E08711AE4B14}" type="datetimeFigureOut">
               <a:rPr lang="en-US" smtClean="0"/>
-              <a:t>5/15/2023</a:t>
+              <a:t>5/21/2023</a:t>
             </a:fld>
             <a:endParaRPr lang="en-US"/>
           </a:p>
@@ -4201,7 +4201,7 @@
           <a:p>
             <a:fld id="{F7F4446B-DEDD-4863-B318-E08711AE4B14}" type="datetimeFigureOut">
               <a:rPr lang="en-US" smtClean="0"/>
-              <a:t>5/15/2023</a:t>
+              <a:t>5/21/2023</a:t>
             </a:fld>
             <a:endParaRPr lang="en-US"/>
           </a:p>
@@ -4610,7 +4610,7 @@
           <a:p>
             <a:fld id="{F7F4446B-DEDD-4863-B318-E08711AE4B14}" type="datetimeFigureOut">
               <a:rPr lang="en-US" smtClean="0"/>
-              <a:t>5/15/2023</a:t>
+              <a:t>5/21/2023</a:t>
             </a:fld>
             <a:endParaRPr lang="en-US"/>
           </a:p>
@@ -5056,7 +5056,7 @@
           <a:p>
             <a:fld id="{F7F4446B-DEDD-4863-B318-E08711AE4B14}" type="datetimeFigureOut">
               <a:rPr lang="en-US" smtClean="0"/>
-              <a:t>5/15/2023</a:t>
+              <a:t>5/21/2023</a:t>
             </a:fld>
             <a:endParaRPr lang="en-US"/>
           </a:p>
@@ -5157,7 +5157,7 @@
           <a:p>
             <a:fld id="{F7F4446B-DEDD-4863-B318-E08711AE4B14}" type="datetimeFigureOut">
               <a:rPr lang="en-US" smtClean="0"/>
-              <a:t>5/15/2023</a:t>
+              <a:t>5/21/2023</a:t>
             </a:fld>
             <a:endParaRPr lang="en-US"/>
           </a:p>
@@ -5278,7 +5278,7 @@
           <a:p>
             <a:fld id="{F7F4446B-DEDD-4863-B318-E08711AE4B14}" type="datetimeFigureOut">
               <a:rPr lang="en-US" smtClean="0"/>
-              <a:t>5/15/2023</a:t>
+              <a:t>5/21/2023</a:t>
             </a:fld>
             <a:endParaRPr lang="en-US"/>
           </a:p>
@@ -5552,7 +5552,7 @@
           <a:p>
             <a:fld id="{F7F4446B-DEDD-4863-B318-E08711AE4B14}" type="datetimeFigureOut">
               <a:rPr lang="en-US" smtClean="0"/>
-              <a:t>5/15/2023</a:t>
+              <a:t>5/21/2023</a:t>
             </a:fld>
             <a:endParaRPr lang="en-US"/>
           </a:p>
@@ -5757,7 +5757,7 @@
           <a:p>
             <a:fld id="{F7F4446B-DEDD-4863-B318-E08711AE4B14}" type="datetimeFigureOut">
               <a:rPr lang="en-US" smtClean="0"/>
-              <a:t>5/15/2023</a:t>
+              <a:t>5/21/2023</a:t>
             </a:fld>
             <a:endParaRPr lang="en-US"/>
           </a:p>
@@ -6866,7 +6866,7 @@
           <a:p>
             <a:fld id="{F7F4446B-DEDD-4863-B318-E08711AE4B14}" type="datetimeFigureOut">
               <a:rPr lang="en-US" smtClean="0"/>
-              <a:t>5/15/2023</a:t>
+              <a:t>5/21/2023</a:t>
             </a:fld>
             <a:endParaRPr lang="en-US"/>
           </a:p>
@@ -8467,8 +8467,13 @@
                 <a:latin typeface="Arial" pitchFamily="34" charset="0"/>
                 <a:cs typeface="Arial" pitchFamily="34" charset="0"/>
               </a:rPr>
-              <a:t>-</a:t>
-            </a:r>
+              <a:t>-A Sign-Up page for new members who don’t yet have accounts.</a:t>
+            </a:r>
+          </a:p>
+          <a:p>
+            <a:pPr lvl="0" indent="0" algn="just">
+              <a:buNone/>
+            </a:pPr>
             <a:r>
               <a:rPr lang="en-US" sz="1600" b="1" dirty="0" smtClean="0">
                 <a:solidFill>
@@ -8477,67 +8482,8 @@
                 <a:latin typeface="Arial" pitchFamily="34" charset="0"/>
                 <a:cs typeface="Arial" pitchFamily="34" charset="0"/>
               </a:rPr>
-              <a:t>A Sign-Up page for new members who don’t yet have accounts</a:t>
-            </a:r>
-            <a:r>
-              <a:rPr lang="en-US" sz="1600" b="1" dirty="0" smtClean="0">
-                <a:solidFill>
-                  <a:prstClr val="black"/>
-                </a:solidFill>
-                <a:latin typeface="Arial" pitchFamily="34" charset="0"/>
-                <a:cs typeface="Arial" pitchFamily="34" charset="0"/>
-              </a:rPr>
-              <a:t>.</a:t>
-            </a:r>
-            <a:endParaRPr lang="en-US" sz="1600" b="1" dirty="0" smtClean="0">
-              <a:solidFill>
-                <a:prstClr val="black"/>
-              </a:solidFill>
-              <a:latin typeface="Arial" pitchFamily="34" charset="0"/>
-              <a:cs typeface="Arial" pitchFamily="34" charset="0"/>
-            </a:endParaRPr>
-          </a:p>
-          <a:p>
-            <a:pPr lvl="0" indent="0" algn="just">
-              <a:buNone/>
-            </a:pPr>
-            <a:r>
-              <a:rPr lang="en-US" sz="1600" b="1" dirty="0" smtClean="0">
-                <a:solidFill>
-                  <a:prstClr val="black"/>
-                </a:solidFill>
-                <a:latin typeface="Arial" pitchFamily="34" charset="0"/>
-                <a:cs typeface="Arial" pitchFamily="34" charset="0"/>
-              </a:rPr>
-              <a:t>- </a:t>
-            </a:r>
-            <a:r>
-              <a:rPr lang="en-US" sz="1600" b="1" dirty="0" smtClean="0">
-                <a:solidFill>
-                  <a:prstClr val="black"/>
-                </a:solidFill>
-                <a:latin typeface="Arial" pitchFamily="34" charset="0"/>
-                <a:cs typeface="Arial" pitchFamily="34" charset="0"/>
-              </a:rPr>
-              <a:t>A Login page for those who already have an account</a:t>
-            </a:r>
-            <a:r>
-              <a:rPr lang="en-US" sz="1600" b="1" dirty="0" smtClean="0">
-                <a:solidFill>
-                  <a:prstClr val="black"/>
-                </a:solidFill>
-                <a:latin typeface="Arial" pitchFamily="34" charset="0"/>
-                <a:cs typeface="Arial" pitchFamily="34" charset="0"/>
-              </a:rPr>
-              <a:t>.</a:t>
-            </a:r>
-            <a:endParaRPr lang="en-US" sz="1600" b="1" dirty="0" smtClean="0">
-              <a:solidFill>
-                <a:prstClr val="black"/>
-              </a:solidFill>
-              <a:latin typeface="Arial" pitchFamily="34" charset="0"/>
-              <a:cs typeface="Arial" pitchFamily="34" charset="0"/>
-            </a:endParaRPr>
+              <a:t>- A Login page for those who already have an account.</a:t>
+            </a:r>
           </a:p>
           <a:p>
             <a:pPr lvl="0" indent="0" algn="just">
@@ -8590,27 +8536,7 @@
                 <a:latin typeface="Arial" pitchFamily="34" charset="0"/>
                 <a:cs typeface="Arial" pitchFamily="34" charset="0"/>
               </a:rPr>
-              <a:t>-</a:t>
-            </a:r>
-            <a:r>
-              <a:rPr lang="en-US" sz="1600" b="1" dirty="0" smtClean="0">
-                <a:solidFill>
-                  <a:prstClr val="black"/>
-                </a:solidFill>
-                <a:latin typeface="Arial" pitchFamily="34" charset="0"/>
-                <a:cs typeface="Arial" pitchFamily="34" charset="0"/>
-              </a:rPr>
-              <a:t>A landing page which includes the pictures you favor by clicking the favorite icon on your top-left</a:t>
-            </a:r>
-            <a:r>
-              <a:rPr lang="en-US" sz="1600" b="1" dirty="0" smtClean="0">
-                <a:solidFill>
-                  <a:prstClr val="black"/>
-                </a:solidFill>
-                <a:latin typeface="Arial" pitchFamily="34" charset="0"/>
-                <a:cs typeface="Arial" pitchFamily="34" charset="0"/>
-              </a:rPr>
-              <a:t>.</a:t>
+              <a:t>-A landing page which includes the pictures you favor by clicking the favorite icon on your top-left.</a:t>
             </a:r>
             <a:endParaRPr lang="en-US" sz="1600" b="1" dirty="0">
               <a:solidFill>
@@ -8958,7 +8884,6 @@
               <a:rPr lang="en-US" dirty="0" smtClean="0"/>
               <a:t>JavaScript implementation on the pages. </a:t>
             </a:r>
-            <a:endParaRPr lang="en-US" dirty="0" smtClean="0"/>
           </a:p>
           <a:p>
             <a:pPr marL="109728" indent="0" algn="just">
@@ -9145,7 +9070,12 @@
             <p:ph type="subTitle" idx="1"/>
           </p:nvPr>
         </p:nvSpPr>
-        <p:spPr/>
+        <p:spPr>
+          <a:xfrm>
+            <a:off x="685800" y="3611607"/>
+            <a:ext cx="7772400" cy="1199704"/>
+          </a:xfrm>
+        </p:spPr>
         <p:txBody>
           <a:bodyPr>
             <a:noAutofit/>
